--- a/类关系图.pptx
+++ b/类关系图.pptx
@@ -261,7 +261,7 @@
           <a:p>
             <a:fld id="{FAC488ED-C57F-4E83-8A24-797A62EB3B57}" type="datetimeFigureOut">
               <a:rPr lang="zh-CN" altLang="en-US" smtClean="0"/>
-              <a:t>2023/8/31</a:t>
+              <a:t>2023/9/1</a:t>
             </a:fld>
             <a:endParaRPr lang="zh-CN" altLang="en-US"/>
           </a:p>
@@ -459,7 +459,7 @@
           <a:p>
             <a:fld id="{FAC488ED-C57F-4E83-8A24-797A62EB3B57}" type="datetimeFigureOut">
               <a:rPr lang="zh-CN" altLang="en-US" smtClean="0"/>
-              <a:t>2023/8/31</a:t>
+              <a:t>2023/9/1</a:t>
             </a:fld>
             <a:endParaRPr lang="zh-CN" altLang="en-US"/>
           </a:p>
@@ -667,7 +667,7 @@
           <a:p>
             <a:fld id="{FAC488ED-C57F-4E83-8A24-797A62EB3B57}" type="datetimeFigureOut">
               <a:rPr lang="zh-CN" altLang="en-US" smtClean="0"/>
-              <a:t>2023/8/31</a:t>
+              <a:t>2023/9/1</a:t>
             </a:fld>
             <a:endParaRPr lang="zh-CN" altLang="en-US"/>
           </a:p>
@@ -865,7 +865,7 @@
           <a:p>
             <a:fld id="{FAC488ED-C57F-4E83-8A24-797A62EB3B57}" type="datetimeFigureOut">
               <a:rPr lang="zh-CN" altLang="en-US" smtClean="0"/>
-              <a:t>2023/8/31</a:t>
+              <a:t>2023/9/1</a:t>
             </a:fld>
             <a:endParaRPr lang="zh-CN" altLang="en-US"/>
           </a:p>
@@ -1140,7 +1140,7 @@
           <a:p>
             <a:fld id="{FAC488ED-C57F-4E83-8A24-797A62EB3B57}" type="datetimeFigureOut">
               <a:rPr lang="zh-CN" altLang="en-US" smtClean="0"/>
-              <a:t>2023/8/31</a:t>
+              <a:t>2023/9/1</a:t>
             </a:fld>
             <a:endParaRPr lang="zh-CN" altLang="en-US"/>
           </a:p>
@@ -1405,7 +1405,7 @@
           <a:p>
             <a:fld id="{FAC488ED-C57F-4E83-8A24-797A62EB3B57}" type="datetimeFigureOut">
               <a:rPr lang="zh-CN" altLang="en-US" smtClean="0"/>
-              <a:t>2023/8/31</a:t>
+              <a:t>2023/9/1</a:t>
             </a:fld>
             <a:endParaRPr lang="zh-CN" altLang="en-US"/>
           </a:p>
@@ -1817,7 +1817,7 @@
           <a:p>
             <a:fld id="{FAC488ED-C57F-4E83-8A24-797A62EB3B57}" type="datetimeFigureOut">
               <a:rPr lang="zh-CN" altLang="en-US" smtClean="0"/>
-              <a:t>2023/8/31</a:t>
+              <a:t>2023/9/1</a:t>
             </a:fld>
             <a:endParaRPr lang="zh-CN" altLang="en-US"/>
           </a:p>
@@ -1958,7 +1958,7 @@
           <a:p>
             <a:fld id="{FAC488ED-C57F-4E83-8A24-797A62EB3B57}" type="datetimeFigureOut">
               <a:rPr lang="zh-CN" altLang="en-US" smtClean="0"/>
-              <a:t>2023/8/31</a:t>
+              <a:t>2023/9/1</a:t>
             </a:fld>
             <a:endParaRPr lang="zh-CN" altLang="en-US"/>
           </a:p>
@@ -2071,7 +2071,7 @@
           <a:p>
             <a:fld id="{FAC488ED-C57F-4E83-8A24-797A62EB3B57}" type="datetimeFigureOut">
               <a:rPr lang="zh-CN" altLang="en-US" smtClean="0"/>
-              <a:t>2023/8/31</a:t>
+              <a:t>2023/9/1</a:t>
             </a:fld>
             <a:endParaRPr lang="zh-CN" altLang="en-US"/>
           </a:p>
@@ -2382,7 +2382,7 @@
           <a:p>
             <a:fld id="{FAC488ED-C57F-4E83-8A24-797A62EB3B57}" type="datetimeFigureOut">
               <a:rPr lang="zh-CN" altLang="en-US" smtClean="0"/>
-              <a:t>2023/8/31</a:t>
+              <a:t>2023/9/1</a:t>
             </a:fld>
             <a:endParaRPr lang="zh-CN" altLang="en-US"/>
           </a:p>
@@ -2670,7 +2670,7 @@
           <a:p>
             <a:fld id="{FAC488ED-C57F-4E83-8A24-797A62EB3B57}" type="datetimeFigureOut">
               <a:rPr lang="zh-CN" altLang="en-US" smtClean="0"/>
-              <a:t>2023/8/31</a:t>
+              <a:t>2023/9/1</a:t>
             </a:fld>
             <a:endParaRPr lang="zh-CN" altLang="en-US"/>
           </a:p>
@@ -2911,7 +2911,7 @@
           <a:p>
             <a:fld id="{FAC488ED-C57F-4E83-8A24-797A62EB3B57}" type="datetimeFigureOut">
               <a:rPr lang="zh-CN" altLang="en-US" smtClean="0"/>
-              <a:t>2023/8/31</a:t>
+              <a:t>2023/9/1</a:t>
             </a:fld>
             <a:endParaRPr lang="zh-CN" altLang="en-US"/>
           </a:p>
@@ -5126,7 +5126,7 @@
         </p:nvSpPr>
         <p:spPr>
           <a:xfrm>
-            <a:off x="2886485" y="3182932"/>
+            <a:off x="3094591" y="3257156"/>
             <a:ext cx="697833" cy="354932"/>
           </a:xfrm>
           <a:prstGeom prst="rect">
@@ -5190,7 +5190,7 @@
         </p:nvSpPr>
         <p:spPr>
           <a:xfrm>
-            <a:off x="4123732" y="3182932"/>
+            <a:off x="4331838" y="3257156"/>
             <a:ext cx="697833" cy="354932"/>
           </a:xfrm>
           <a:prstGeom prst="rect">
@@ -5254,7 +5254,7 @@
         </p:nvSpPr>
         <p:spPr>
           <a:xfrm>
-            <a:off x="5360979" y="3182932"/>
+            <a:off x="5569085" y="3257156"/>
             <a:ext cx="968544" cy="354932"/>
           </a:xfrm>
           <a:prstGeom prst="rect">
@@ -5318,7 +5318,7 @@
         </p:nvSpPr>
         <p:spPr>
           <a:xfrm>
-            <a:off x="6868937" y="3182932"/>
+            <a:off x="7077043" y="3257156"/>
             <a:ext cx="968544" cy="354932"/>
           </a:xfrm>
           <a:prstGeom prst="rect">
@@ -5382,7 +5382,7 @@
         </p:nvSpPr>
         <p:spPr>
           <a:xfrm>
-            <a:off x="8376895" y="3176708"/>
+            <a:off x="8585001" y="3250932"/>
             <a:ext cx="968544" cy="354932"/>
           </a:xfrm>
           <a:prstGeom prst="rect">
@@ -5429,6 +5429,129 @@
                 <a:schemeClr val="tx1"/>
               </a:solidFill>
             </a:endParaRPr>
+          </a:p>
+        </p:txBody>
+      </p:sp>
+      <p:sp>
+        <p:nvSpPr>
+          <p:cNvPr id="6" name="矩形 5">
+            <a:extLst>
+              <a:ext uri="{FF2B5EF4-FFF2-40B4-BE49-F238E27FC236}">
+                <a16:creationId xmlns:a16="http://schemas.microsoft.com/office/drawing/2014/main" id="{03D1DD58-988F-35A3-9345-290C88C3C788}"/>
+              </a:ext>
+            </a:extLst>
+          </p:cNvPr>
+          <p:cNvSpPr/>
+          <p:nvPr/>
+        </p:nvSpPr>
+        <p:spPr>
+          <a:xfrm>
+            <a:off x="857646" y="3251096"/>
+            <a:ext cx="1697532" cy="354932"/>
+          </a:xfrm>
+          <a:prstGeom prst="rect">
+            <a:avLst/>
+          </a:prstGeom>
+          <a:noFill/>
+          <a:ln>
+            <a:solidFill>
+              <a:schemeClr val="tx1"/>
+            </a:solidFill>
+          </a:ln>
+        </p:spPr>
+        <p:style>
+          <a:lnRef idx="2">
+            <a:schemeClr val="accent1">
+              <a:shade val="15000"/>
+            </a:schemeClr>
+          </a:lnRef>
+          <a:fillRef idx="1">
+            <a:schemeClr val="accent1"/>
+          </a:fillRef>
+          <a:effectRef idx="0">
+            <a:schemeClr val="accent1"/>
+          </a:effectRef>
+          <a:fontRef idx="minor">
+            <a:schemeClr val="lt1"/>
+          </a:fontRef>
+        </p:style>
+        <p:txBody>
+          <a:bodyPr rtlCol="0" anchor="ctr"/>
+          <a:lstStyle/>
+          <a:p>
+            <a:pPr algn="ctr"/>
+            <a:r>
+              <a:rPr lang="en-US" altLang="zh-CN" dirty="0" err="1">
+                <a:solidFill>
+                  <a:schemeClr val="tx1"/>
+                </a:solidFill>
+              </a:rPr>
+              <a:t>BackGround</a:t>
+            </a:r>
+            <a:endParaRPr lang="en-US" altLang="zh-CN" dirty="0">
+              <a:solidFill>
+                <a:schemeClr val="tx1"/>
+              </a:solidFill>
+            </a:endParaRPr>
+          </a:p>
+        </p:txBody>
+      </p:sp>
+      <p:sp>
+        <p:nvSpPr>
+          <p:cNvPr id="7" name="矩形 6">
+            <a:extLst>
+              <a:ext uri="{FF2B5EF4-FFF2-40B4-BE49-F238E27FC236}">
+                <a16:creationId xmlns:a16="http://schemas.microsoft.com/office/drawing/2014/main" id="{AADF32A5-6C97-6D59-9BEA-BCE19FBC9DE1}"/>
+              </a:ext>
+            </a:extLst>
+          </p:cNvPr>
+          <p:cNvSpPr/>
+          <p:nvPr/>
+        </p:nvSpPr>
+        <p:spPr>
+          <a:xfrm>
+            <a:off x="10092959" y="3251534"/>
+            <a:ext cx="1697532" cy="354932"/>
+          </a:xfrm>
+          <a:prstGeom prst="rect">
+            <a:avLst/>
+          </a:prstGeom>
+          <a:noFill/>
+          <a:ln>
+            <a:solidFill>
+              <a:schemeClr val="tx1"/>
+            </a:solidFill>
+          </a:ln>
+        </p:spPr>
+        <p:style>
+          <a:lnRef idx="2">
+            <a:schemeClr val="accent1">
+              <a:shade val="15000"/>
+            </a:schemeClr>
+          </a:lnRef>
+          <a:fillRef idx="1">
+            <a:schemeClr val="accent1"/>
+          </a:fillRef>
+          <a:effectRef idx="0">
+            <a:schemeClr val="accent1"/>
+          </a:effectRef>
+          <a:fontRef idx="minor">
+            <a:schemeClr val="lt1"/>
+          </a:fontRef>
+        </p:style>
+        <p:txBody>
+          <a:bodyPr rtlCol="0" anchor="ctr"/>
+          <a:lstStyle/>
+          <a:p>
+            <a:pPr algn="ctr"/>
+            <a:r>
+              <a:rPr lang="en-US" altLang="zh-CN" dirty="0">
+                <a:solidFill>
+                  <a:schemeClr val="tx1"/>
+                </a:solidFill>
+              </a:rPr>
+              <a:t>Text</a:t>
+            </a:r>
           </a:p>
         </p:txBody>
       </p:sp>
